--- a/Slide/Velkommen.pptx
+++ b/Slide/Velkommen.pptx
@@ -5,10 +5,10 @@
     <p:sldMasterId id="2147483669" r:id="rId4"/>
   </p:sldMasterIdLst>
   <p:notesMasterIdLst>
-    <p:notesMasterId r:id="rId15"/>
+    <p:notesMasterId r:id="rId16"/>
   </p:notesMasterIdLst>
   <p:handoutMasterIdLst>
-    <p:handoutMasterId r:id="rId16"/>
+    <p:handoutMasterId r:id="rId17"/>
   </p:handoutMasterIdLst>
   <p:sldIdLst>
     <p:sldId id="256" r:id="rId5"/>
@@ -21,6 +21,7 @@
     <p:sldId id="270" r:id="rId12"/>
     <p:sldId id="271" r:id="rId13"/>
     <p:sldId id="272" r:id="rId14"/>
+    <p:sldId id="273" r:id="rId15"/>
   </p:sldIdLst>
   <p:sldSz cx="12192000" cy="6858000"/>
   <p:notesSz cx="6858000" cy="9144000"/>
@@ -725,7 +726,7 @@
           <a:noFill/>
           <a:extLst>
             <a:ext uri="{909E8E84-426E-40dd-AFC4-6F175D3DCCD1}">
-              <a14:hiddenFill xmlns="" xmlns:a14="http://schemas.microsoft.com/office/drawing/2010/main">
+              <a14:hiddenFill xmlns:a14="http://schemas.microsoft.com/office/drawing/2010/main" xmlns="">
                 <a:solidFill>
                   <a:srgbClr val="FFFFFF"/>
                 </a:solidFill>
@@ -784,7 +785,7 @@
             </a:ln>
             <a:extLst>
               <a:ext uri="{91240B29-F687-4f45-9708-019B960494DF}">
-                <a14:hiddenLine xmlns="" xmlns:a14="http://schemas.microsoft.com/office/drawing/2010/main" w="9525">
+                <a14:hiddenLine xmlns:a14="http://schemas.microsoft.com/office/drawing/2010/main" xmlns="" w="9525">
                   <a:solidFill>
                     <a:srgbClr val="000000"/>
                   </a:solidFill>
@@ -874,7 +875,7 @@
             </a:ln>
             <a:extLst>
               <a:ext uri="{91240B29-F687-4f45-9708-019B960494DF}">
-                <a14:hiddenLine xmlns="" xmlns:a14="http://schemas.microsoft.com/office/drawing/2010/main" w="9525">
+                <a14:hiddenLine xmlns:a14="http://schemas.microsoft.com/office/drawing/2010/main" xmlns="" w="9525">
                   <a:solidFill>
                     <a:srgbClr val="000000"/>
                   </a:solidFill>
@@ -964,7 +965,7 @@
             </a:ln>
             <a:extLst>
               <a:ext uri="{91240B29-F687-4f45-9708-019B960494DF}">
-                <a14:hiddenLine xmlns="" xmlns:a14="http://schemas.microsoft.com/office/drawing/2010/main" w="9525">
+                <a14:hiddenLine xmlns:a14="http://schemas.microsoft.com/office/drawing/2010/main" xmlns="" w="9525">
                   <a:solidFill>
                     <a:srgbClr val="000000"/>
                   </a:solidFill>
@@ -998,7 +999,7 @@
             </a:ln>
             <a:extLst>
               <a:ext uri="{91240B29-F687-4f45-9708-019B960494DF}">
-                <a14:hiddenLine xmlns="" xmlns:a14="http://schemas.microsoft.com/office/drawing/2010/main" w="9525">
+                <a14:hiddenLine xmlns:a14="http://schemas.microsoft.com/office/drawing/2010/main" xmlns="" w="9525">
                   <a:solidFill>
                     <a:srgbClr val="000000"/>
                   </a:solidFill>
@@ -1088,7 +1089,7 @@
             </a:ln>
             <a:extLst>
               <a:ext uri="{91240B29-F687-4f45-9708-019B960494DF}">
-                <a14:hiddenLine xmlns="" xmlns:a14="http://schemas.microsoft.com/office/drawing/2010/main" w="9525">
+                <a14:hiddenLine xmlns:a14="http://schemas.microsoft.com/office/drawing/2010/main" xmlns="" w="9525">
                   <a:solidFill>
                     <a:srgbClr val="000000"/>
                   </a:solidFill>
@@ -1150,7 +1151,7 @@
             </a:ln>
             <a:extLst>
               <a:ext uri="{91240B29-F687-4f45-9708-019B960494DF}">
-                <a14:hiddenLine xmlns="" xmlns:a14="http://schemas.microsoft.com/office/drawing/2010/main" w="9525">
+                <a14:hiddenLine xmlns:a14="http://schemas.microsoft.com/office/drawing/2010/main" xmlns="" w="9525">
                   <a:solidFill>
                     <a:srgbClr val="000000"/>
                   </a:solidFill>
@@ -1212,7 +1213,7 @@
             </a:ln>
             <a:extLst>
               <a:ext uri="{91240B29-F687-4f45-9708-019B960494DF}">
-                <a14:hiddenLine xmlns="" xmlns:a14="http://schemas.microsoft.com/office/drawing/2010/main" w="9525">
+                <a14:hiddenLine xmlns:a14="http://schemas.microsoft.com/office/drawing/2010/main" xmlns="" w="9525">
                   <a:solidFill>
                     <a:srgbClr val="000000"/>
                   </a:solidFill>
@@ -1302,7 +1303,7 @@
             </a:ln>
             <a:extLst>
               <a:ext uri="{91240B29-F687-4f45-9708-019B960494DF}">
-                <a14:hiddenLine xmlns="" xmlns:a14="http://schemas.microsoft.com/office/drawing/2010/main" w="9525">
+                <a14:hiddenLine xmlns:a14="http://schemas.microsoft.com/office/drawing/2010/main" xmlns="" w="9525">
                   <a:solidFill>
                     <a:srgbClr val="000000"/>
                   </a:solidFill>
@@ -1364,7 +1365,7 @@
             </a:ln>
             <a:extLst>
               <a:ext uri="{91240B29-F687-4f45-9708-019B960494DF}">
-                <a14:hiddenLine xmlns="" xmlns:a14="http://schemas.microsoft.com/office/drawing/2010/main" w="9525">
+                <a14:hiddenLine xmlns:a14="http://schemas.microsoft.com/office/drawing/2010/main" xmlns="" w="9525">
                   <a:solidFill>
                     <a:srgbClr val="000000"/>
                   </a:solidFill>
@@ -1426,7 +1427,7 @@
             </a:ln>
             <a:extLst>
               <a:ext uri="{91240B29-F687-4f45-9708-019B960494DF}">
-                <a14:hiddenLine xmlns="" xmlns:a14="http://schemas.microsoft.com/office/drawing/2010/main" w="9525">
+                <a14:hiddenLine xmlns:a14="http://schemas.microsoft.com/office/drawing/2010/main" xmlns="" w="9525">
                   <a:solidFill>
                     <a:srgbClr val="000000"/>
                   </a:solidFill>
@@ -1516,7 +1517,7 @@
             </a:ln>
             <a:extLst>
               <a:ext uri="{91240B29-F687-4f45-9708-019B960494DF}">
-                <a14:hiddenLine xmlns="" xmlns:a14="http://schemas.microsoft.com/office/drawing/2010/main" w="9525">
+                <a14:hiddenLine xmlns:a14="http://schemas.microsoft.com/office/drawing/2010/main" xmlns="" w="9525">
                   <a:solidFill>
                     <a:srgbClr val="000000"/>
                   </a:solidFill>
@@ -1606,7 +1607,7 @@
             </a:ln>
             <a:extLst>
               <a:ext uri="{91240B29-F687-4f45-9708-019B960494DF}">
-                <a14:hiddenLine xmlns="" xmlns:a14="http://schemas.microsoft.com/office/drawing/2010/main" w="9525">
+                <a14:hiddenLine xmlns:a14="http://schemas.microsoft.com/office/drawing/2010/main" xmlns="" w="9525">
                   <a:solidFill>
                     <a:srgbClr val="000000"/>
                   </a:solidFill>
@@ -1668,7 +1669,7 @@
             </a:ln>
             <a:extLst>
               <a:ext uri="{91240B29-F687-4f45-9708-019B960494DF}">
-                <a14:hiddenLine xmlns="" xmlns:a14="http://schemas.microsoft.com/office/drawing/2010/main" w="9525">
+                <a14:hiddenLine xmlns:a14="http://schemas.microsoft.com/office/drawing/2010/main" xmlns="" w="9525">
                   <a:solidFill>
                     <a:srgbClr val="000000"/>
                   </a:solidFill>
@@ -1778,7 +1779,7 @@
             </a:ln>
             <a:extLst>
               <a:ext uri="{91240B29-F687-4f45-9708-019B960494DF}">
-                <a14:hiddenLine xmlns="" xmlns:a14="http://schemas.microsoft.com/office/drawing/2010/main" w="9525">
+                <a14:hiddenLine xmlns:a14="http://schemas.microsoft.com/office/drawing/2010/main" xmlns="" w="9525">
                   <a:solidFill>
                     <a:srgbClr val="000000"/>
                   </a:solidFill>
@@ -1840,7 +1841,7 @@
             </a:ln>
             <a:extLst>
               <a:ext uri="{91240B29-F687-4f45-9708-019B960494DF}">
-                <a14:hiddenLine xmlns="" xmlns:a14="http://schemas.microsoft.com/office/drawing/2010/main" w="9525">
+                <a14:hiddenLine xmlns:a14="http://schemas.microsoft.com/office/drawing/2010/main" xmlns="" w="9525">
                   <a:solidFill>
                     <a:srgbClr val="000000"/>
                   </a:solidFill>
@@ -1930,7 +1931,7 @@
             </a:ln>
             <a:extLst>
               <a:ext uri="{91240B29-F687-4f45-9708-019B960494DF}">
-                <a14:hiddenLine xmlns="" xmlns:a14="http://schemas.microsoft.com/office/drawing/2010/main" w="9525">
+                <a14:hiddenLine xmlns:a14="http://schemas.microsoft.com/office/drawing/2010/main" xmlns="" w="9525">
                   <a:solidFill>
                     <a:srgbClr val="000000"/>
                   </a:solidFill>
@@ -2020,7 +2021,7 @@
             </a:ln>
             <a:extLst>
               <a:ext uri="{91240B29-F687-4f45-9708-019B960494DF}">
-                <a14:hiddenLine xmlns="" xmlns:a14="http://schemas.microsoft.com/office/drawing/2010/main" w="9525">
+                <a14:hiddenLine xmlns:a14="http://schemas.microsoft.com/office/drawing/2010/main" xmlns="" w="9525">
                   <a:solidFill>
                     <a:srgbClr val="000000"/>
                   </a:solidFill>
@@ -2082,7 +2083,7 @@
             </a:ln>
             <a:extLst>
               <a:ext uri="{91240B29-F687-4f45-9708-019B960494DF}">
-                <a14:hiddenLine xmlns="" xmlns:a14="http://schemas.microsoft.com/office/drawing/2010/main" w="9525">
+                <a14:hiddenLine xmlns:a14="http://schemas.microsoft.com/office/drawing/2010/main" xmlns="" w="9525">
                   <a:solidFill>
                     <a:srgbClr val="000000"/>
                   </a:solidFill>
@@ -2172,7 +2173,7 @@
             </a:ln>
             <a:extLst>
               <a:ext uri="{91240B29-F687-4f45-9708-019B960494DF}">
-                <a14:hiddenLine xmlns="" xmlns:a14="http://schemas.microsoft.com/office/drawing/2010/main" w="9525">
+                <a14:hiddenLine xmlns:a14="http://schemas.microsoft.com/office/drawing/2010/main" xmlns="" w="9525">
                   <a:solidFill>
                     <a:srgbClr val="000000"/>
                   </a:solidFill>
@@ -2262,7 +2263,7 @@
             </a:ln>
             <a:extLst>
               <a:ext uri="{91240B29-F687-4f45-9708-019B960494DF}">
-                <a14:hiddenLine xmlns="" xmlns:a14="http://schemas.microsoft.com/office/drawing/2010/main" w="9525">
+                <a14:hiddenLine xmlns:a14="http://schemas.microsoft.com/office/drawing/2010/main" xmlns="" w="9525">
                   <a:solidFill>
                     <a:srgbClr val="000000"/>
                   </a:solidFill>
@@ -2318,7 +2319,7 @@
             </a:ln>
             <a:extLst>
               <a:ext uri="{91240B29-F687-4f45-9708-019B960494DF}">
-                <a14:hiddenLine xmlns="" xmlns:a14="http://schemas.microsoft.com/office/drawing/2010/main" w="9525">
+                <a14:hiddenLine xmlns:a14="http://schemas.microsoft.com/office/drawing/2010/main" xmlns="" w="9525">
                   <a:solidFill>
                     <a:srgbClr val="000000"/>
                   </a:solidFill>
@@ -2408,7 +2409,7 @@
             </a:ln>
             <a:extLst>
               <a:ext uri="{91240B29-F687-4f45-9708-019B960494DF}">
-                <a14:hiddenLine xmlns="" xmlns:a14="http://schemas.microsoft.com/office/drawing/2010/main" w="9525">
+                <a14:hiddenLine xmlns:a14="http://schemas.microsoft.com/office/drawing/2010/main" xmlns="" w="9525">
                   <a:solidFill>
                     <a:srgbClr val="000000"/>
                   </a:solidFill>
@@ -2464,7 +2465,7 @@
             </a:ln>
             <a:extLst>
               <a:ext uri="{91240B29-F687-4f45-9708-019B960494DF}">
-                <a14:hiddenLine xmlns="" xmlns:a14="http://schemas.microsoft.com/office/drawing/2010/main" w="9525">
+                <a14:hiddenLine xmlns:a14="http://schemas.microsoft.com/office/drawing/2010/main" xmlns="" w="9525">
                   <a:solidFill>
                     <a:srgbClr val="000000"/>
                   </a:solidFill>
@@ -2554,7 +2555,7 @@
             </a:ln>
             <a:extLst>
               <a:ext uri="{91240B29-F687-4f45-9708-019B960494DF}">
-                <a14:hiddenLine xmlns="" xmlns:a14="http://schemas.microsoft.com/office/drawing/2010/main" w="9525">
+                <a14:hiddenLine xmlns:a14="http://schemas.microsoft.com/office/drawing/2010/main" xmlns="" w="9525">
                   <a:solidFill>
                     <a:srgbClr val="000000"/>
                   </a:solidFill>
@@ -2622,7 +2623,7 @@
             </a:ln>
             <a:extLst>
               <a:ext uri="{91240B29-F687-4f45-9708-019B960494DF}">
-                <a14:hiddenLine xmlns="" xmlns:a14="http://schemas.microsoft.com/office/drawing/2010/main" w="9525">
+                <a14:hiddenLine xmlns:a14="http://schemas.microsoft.com/office/drawing/2010/main" xmlns="" w="9525">
                   <a:solidFill>
                     <a:srgbClr val="000000"/>
                   </a:solidFill>
@@ -2712,7 +2713,7 @@
             </a:ln>
             <a:extLst>
               <a:ext uri="{91240B29-F687-4f45-9708-019B960494DF}">
-                <a14:hiddenLine xmlns="" xmlns:a14="http://schemas.microsoft.com/office/drawing/2010/main" w="9525">
+                <a14:hiddenLine xmlns:a14="http://schemas.microsoft.com/office/drawing/2010/main" xmlns="" w="9525">
                   <a:solidFill>
                     <a:srgbClr val="000000"/>
                   </a:solidFill>
@@ -2780,7 +2781,7 @@
             </a:ln>
             <a:extLst>
               <a:ext uri="{91240B29-F687-4f45-9708-019B960494DF}">
-                <a14:hiddenLine xmlns="" xmlns:a14="http://schemas.microsoft.com/office/drawing/2010/main" w="9525">
+                <a14:hiddenLine xmlns:a14="http://schemas.microsoft.com/office/drawing/2010/main" xmlns="" w="9525">
                   <a:solidFill>
                     <a:srgbClr val="000000"/>
                   </a:solidFill>
@@ -2870,7 +2871,7 @@
             </a:ln>
             <a:extLst>
               <a:ext uri="{91240B29-F687-4f45-9708-019B960494DF}">
-                <a14:hiddenLine xmlns="" xmlns:a14="http://schemas.microsoft.com/office/drawing/2010/main" w="9525">
+                <a14:hiddenLine xmlns:a14="http://schemas.microsoft.com/office/drawing/2010/main" xmlns="" w="9525">
                   <a:solidFill>
                     <a:srgbClr val="000000"/>
                   </a:solidFill>
@@ -2904,7 +2905,7 @@
             </a:ln>
             <a:extLst>
               <a:ext uri="{91240B29-F687-4f45-9708-019B960494DF}">
-                <a14:hiddenLine xmlns="" xmlns:a14="http://schemas.microsoft.com/office/drawing/2010/main" w="9525">
+                <a14:hiddenLine xmlns:a14="http://schemas.microsoft.com/office/drawing/2010/main" xmlns="" w="9525">
                   <a:solidFill>
                     <a:srgbClr val="000000"/>
                   </a:solidFill>
@@ -2994,7 +2995,7 @@
             </a:ln>
             <a:extLst>
               <a:ext uri="{91240B29-F687-4f45-9708-019B960494DF}">
-                <a14:hiddenLine xmlns="" xmlns:a14="http://schemas.microsoft.com/office/drawing/2010/main" w="9525">
+                <a14:hiddenLine xmlns:a14="http://schemas.microsoft.com/office/drawing/2010/main" xmlns="" w="9525">
                   <a:solidFill>
                     <a:srgbClr val="000000"/>
                   </a:solidFill>
@@ -3056,7 +3057,7 @@
             </a:ln>
             <a:extLst>
               <a:ext uri="{91240B29-F687-4f45-9708-019B960494DF}">
-                <a14:hiddenLine xmlns="" xmlns:a14="http://schemas.microsoft.com/office/drawing/2010/main" w="9525">
+                <a14:hiddenLine xmlns:a14="http://schemas.microsoft.com/office/drawing/2010/main" xmlns="" w="9525">
                   <a:solidFill>
                     <a:srgbClr val="000000"/>
                   </a:solidFill>
@@ -3118,7 +3119,7 @@
             </a:ln>
             <a:extLst>
               <a:ext uri="{91240B29-F687-4f45-9708-019B960494DF}">
-                <a14:hiddenLine xmlns="" xmlns:a14="http://schemas.microsoft.com/office/drawing/2010/main" w="9525">
+                <a14:hiddenLine xmlns:a14="http://schemas.microsoft.com/office/drawing/2010/main" xmlns="" w="9525">
                   <a:solidFill>
                     <a:srgbClr val="000000"/>
                   </a:solidFill>
@@ -3208,7 +3209,7 @@
             </a:ln>
             <a:extLst>
               <a:ext uri="{91240B29-F687-4f45-9708-019B960494DF}">
-                <a14:hiddenLine xmlns="" xmlns:a14="http://schemas.microsoft.com/office/drawing/2010/main" w="9525">
+                <a14:hiddenLine xmlns:a14="http://schemas.microsoft.com/office/drawing/2010/main" xmlns="" w="9525">
                   <a:solidFill>
                     <a:srgbClr val="000000"/>
                   </a:solidFill>
@@ -3276,7 +3277,7 @@
             </a:ln>
             <a:extLst>
               <a:ext uri="{91240B29-F687-4f45-9708-019B960494DF}">
-                <a14:hiddenLine xmlns="" xmlns:a14="http://schemas.microsoft.com/office/drawing/2010/main" w="9525">
+                <a14:hiddenLine xmlns:a14="http://schemas.microsoft.com/office/drawing/2010/main" xmlns="" w="9525">
                   <a:solidFill>
                     <a:srgbClr val="000000"/>
                   </a:solidFill>
@@ -3338,7 +3339,7 @@
             </a:ln>
             <a:extLst>
               <a:ext uri="{91240B29-F687-4f45-9708-019B960494DF}">
-                <a14:hiddenLine xmlns="" xmlns:a14="http://schemas.microsoft.com/office/drawing/2010/main" w="9525">
+                <a14:hiddenLine xmlns:a14="http://schemas.microsoft.com/office/drawing/2010/main" xmlns="" w="9525">
                   <a:solidFill>
                     <a:srgbClr val="000000"/>
                   </a:solidFill>
@@ -3428,7 +3429,7 @@
             </a:ln>
             <a:extLst>
               <a:ext uri="{91240B29-F687-4f45-9708-019B960494DF}">
-                <a14:hiddenLine xmlns="" xmlns:a14="http://schemas.microsoft.com/office/drawing/2010/main" w="9525">
+                <a14:hiddenLine xmlns:a14="http://schemas.microsoft.com/office/drawing/2010/main" xmlns="" w="9525">
                   <a:solidFill>
                     <a:srgbClr val="000000"/>
                   </a:solidFill>
@@ -3490,7 +3491,7 @@
             </a:ln>
             <a:extLst>
               <a:ext uri="{91240B29-F687-4f45-9708-019B960494DF}">
-                <a14:hiddenLine xmlns="" xmlns:a14="http://schemas.microsoft.com/office/drawing/2010/main" w="9525">
+                <a14:hiddenLine xmlns:a14="http://schemas.microsoft.com/office/drawing/2010/main" xmlns="" w="9525">
                   <a:solidFill>
                     <a:srgbClr val="000000"/>
                   </a:solidFill>
@@ -3580,7 +3581,7 @@
             </a:ln>
             <a:extLst>
               <a:ext uri="{91240B29-F687-4f45-9708-019B960494DF}">
-                <a14:hiddenLine xmlns="" xmlns:a14="http://schemas.microsoft.com/office/drawing/2010/main" w="9525">
+                <a14:hiddenLine xmlns:a14="http://schemas.microsoft.com/office/drawing/2010/main" xmlns="" w="9525">
                   <a:solidFill>
                     <a:srgbClr val="000000"/>
                   </a:solidFill>
@@ -3642,7 +3643,7 @@
             </a:ln>
             <a:extLst>
               <a:ext uri="{91240B29-F687-4f45-9708-019B960494DF}">
-                <a14:hiddenLine xmlns="" xmlns:a14="http://schemas.microsoft.com/office/drawing/2010/main" w="9525">
+                <a14:hiddenLine xmlns:a14="http://schemas.microsoft.com/office/drawing/2010/main" xmlns="" w="9525">
                   <a:solidFill>
                     <a:srgbClr val="000000"/>
                   </a:solidFill>
@@ -3732,7 +3733,7 @@
             </a:ln>
             <a:extLst>
               <a:ext uri="{91240B29-F687-4f45-9708-019B960494DF}">
-                <a14:hiddenLine xmlns="" xmlns:a14="http://schemas.microsoft.com/office/drawing/2010/main" w="9525">
+                <a14:hiddenLine xmlns:a14="http://schemas.microsoft.com/office/drawing/2010/main" xmlns="" w="9525">
                   <a:solidFill>
                     <a:srgbClr val="000000"/>
                   </a:solidFill>
@@ -3766,7 +3767,7 @@
             </a:ln>
             <a:extLst>
               <a:ext uri="{91240B29-F687-4f45-9708-019B960494DF}">
-                <a14:hiddenLine xmlns="" xmlns:a14="http://schemas.microsoft.com/office/drawing/2010/main" w="9525">
+                <a14:hiddenLine xmlns:a14="http://schemas.microsoft.com/office/drawing/2010/main" xmlns="" w="9525">
                   <a:solidFill>
                     <a:srgbClr val="000000"/>
                   </a:solidFill>
@@ -3831,7 +3832,7 @@
             </a:ln>
             <a:extLst>
               <a:ext uri="{91240B29-F687-4f45-9708-019B960494DF}">
-                <a14:hiddenLine xmlns="" xmlns:a14="http://schemas.microsoft.com/office/drawing/2010/main" w="9525">
+                <a14:hiddenLine xmlns:a14="http://schemas.microsoft.com/office/drawing/2010/main" xmlns="" w="9525">
                   <a:solidFill>
                     <a:srgbClr val="000000"/>
                   </a:solidFill>
@@ -3921,7 +3922,7 @@
             </a:ln>
             <a:extLst>
               <a:ext uri="{91240B29-F687-4f45-9708-019B960494DF}">
-                <a14:hiddenLine xmlns="" xmlns:a14="http://schemas.microsoft.com/office/drawing/2010/main" w="9525">
+                <a14:hiddenLine xmlns:a14="http://schemas.microsoft.com/office/drawing/2010/main" xmlns="" w="9525">
                   <a:solidFill>
                     <a:srgbClr val="000000"/>
                   </a:solidFill>
@@ -3983,7 +3984,7 @@
             </a:ln>
             <a:extLst>
               <a:ext uri="{91240B29-F687-4f45-9708-019B960494DF}">
-                <a14:hiddenLine xmlns="" xmlns:a14="http://schemas.microsoft.com/office/drawing/2010/main" w="9525">
+                <a14:hiddenLine xmlns:a14="http://schemas.microsoft.com/office/drawing/2010/main" xmlns="" w="9525">
                   <a:solidFill>
                     <a:srgbClr val="000000"/>
                   </a:solidFill>
@@ -4073,7 +4074,7 @@
             </a:ln>
             <a:extLst>
               <a:ext uri="{91240B29-F687-4f45-9708-019B960494DF}">
-                <a14:hiddenLine xmlns="" xmlns:a14="http://schemas.microsoft.com/office/drawing/2010/main" w="9525">
+                <a14:hiddenLine xmlns:a14="http://schemas.microsoft.com/office/drawing/2010/main" xmlns="" w="9525">
                   <a:solidFill>
                     <a:srgbClr val="000000"/>
                   </a:solidFill>
@@ -4163,7 +4164,7 @@
             </a:ln>
             <a:extLst>
               <a:ext uri="{91240B29-F687-4f45-9708-019B960494DF}">
-                <a14:hiddenLine xmlns="" xmlns:a14="http://schemas.microsoft.com/office/drawing/2010/main" w="9525">
+                <a14:hiddenLine xmlns:a14="http://schemas.microsoft.com/office/drawing/2010/main" xmlns="" w="9525">
                   <a:solidFill>
                     <a:srgbClr val="000000"/>
                   </a:solidFill>
@@ -4228,7 +4229,7 @@
             </a:ln>
             <a:extLst>
               <a:ext uri="{91240B29-F687-4f45-9708-019B960494DF}">
-                <a14:hiddenLine xmlns="" xmlns:a14="http://schemas.microsoft.com/office/drawing/2010/main" w="9525">
+                <a14:hiddenLine xmlns:a14="http://schemas.microsoft.com/office/drawing/2010/main" xmlns="" w="9525">
                   <a:solidFill>
                     <a:srgbClr val="000000"/>
                   </a:solidFill>
@@ -4290,7 +4291,7 @@
             </a:ln>
             <a:extLst>
               <a:ext uri="{91240B29-F687-4f45-9708-019B960494DF}">
-                <a14:hiddenLine xmlns="" xmlns:a14="http://schemas.microsoft.com/office/drawing/2010/main" w="9525">
+                <a14:hiddenLine xmlns:a14="http://schemas.microsoft.com/office/drawing/2010/main" xmlns="" w="9525">
                   <a:solidFill>
                     <a:srgbClr val="000000"/>
                   </a:solidFill>
@@ -4380,7 +4381,7 @@
             </a:ln>
             <a:extLst>
               <a:ext uri="{91240B29-F687-4f45-9708-019B960494DF}">
-                <a14:hiddenLine xmlns="" xmlns:a14="http://schemas.microsoft.com/office/drawing/2010/main" w="9525">
+                <a14:hiddenLine xmlns:a14="http://schemas.microsoft.com/office/drawing/2010/main" xmlns="" w="9525">
                   <a:solidFill>
                     <a:srgbClr val="000000"/>
                   </a:solidFill>
@@ -4470,7 +4471,7 @@
             </a:ln>
             <a:extLst>
               <a:ext uri="{91240B29-F687-4f45-9708-019B960494DF}">
-                <a14:hiddenLine xmlns="" xmlns:a14="http://schemas.microsoft.com/office/drawing/2010/main" w="9525">
+                <a14:hiddenLine xmlns:a14="http://schemas.microsoft.com/office/drawing/2010/main" xmlns="" w="9525">
                   <a:solidFill>
                     <a:srgbClr val="000000"/>
                   </a:solidFill>
@@ -4532,7 +4533,7 @@
             </a:ln>
             <a:extLst>
               <a:ext uri="{91240B29-F687-4f45-9708-019B960494DF}">
-                <a14:hiddenLine xmlns="" xmlns:a14="http://schemas.microsoft.com/office/drawing/2010/main" w="9525">
+                <a14:hiddenLine xmlns:a14="http://schemas.microsoft.com/office/drawing/2010/main" xmlns="" w="9525">
                   <a:solidFill>
                     <a:srgbClr val="000000"/>
                   </a:solidFill>
@@ -4652,7 +4653,7 @@
             </a:ln>
             <a:extLst>
               <a:ext uri="{91240B29-F687-4f45-9708-019B960494DF}">
-                <a14:hiddenLine xmlns="" xmlns:a14="http://schemas.microsoft.com/office/drawing/2010/main" w="9525">
+                <a14:hiddenLine xmlns:a14="http://schemas.microsoft.com/office/drawing/2010/main" xmlns="" w="9525">
                   <a:solidFill>
                     <a:srgbClr val="000000"/>
                   </a:solidFill>
@@ -4720,7 +4721,7 @@
             </a:ln>
             <a:extLst>
               <a:ext uri="{91240B29-F687-4f45-9708-019B960494DF}">
-                <a14:hiddenLine xmlns="" xmlns:a14="http://schemas.microsoft.com/office/drawing/2010/main" w="9525">
+                <a14:hiddenLine xmlns:a14="http://schemas.microsoft.com/office/drawing/2010/main" xmlns="" w="9525">
                   <a:solidFill>
                     <a:srgbClr val="000000"/>
                   </a:solidFill>
@@ -4810,7 +4811,7 @@
             </a:ln>
             <a:extLst>
               <a:ext uri="{91240B29-F687-4f45-9708-019B960494DF}">
-                <a14:hiddenLine xmlns="" xmlns:a14="http://schemas.microsoft.com/office/drawing/2010/main" w="9525">
+                <a14:hiddenLine xmlns:a14="http://schemas.microsoft.com/office/drawing/2010/main" xmlns="" w="9525">
                   <a:solidFill>
                     <a:srgbClr val="000000"/>
                   </a:solidFill>
@@ -9624,7 +9625,7 @@
           <a:noFill/>
           <a:extLst>
             <a:ext uri="{909E8E84-426E-40dd-AFC4-6F175D3DCCD1}">
-              <a14:hiddenFill xmlns="" xmlns:a14="http://schemas.microsoft.com/office/drawing/2010/main">
+              <a14:hiddenFill xmlns:a14="http://schemas.microsoft.com/office/drawing/2010/main" xmlns="">
                 <a:solidFill>
                   <a:srgbClr val="FFFFFF"/>
                 </a:solidFill>
@@ -9698,7 +9699,7 @@
               </a:ln>
               <a:extLst>
                 <a:ext uri="{91240B29-F687-4f45-9708-019B960494DF}">
-                  <a14:hiddenLine xmlns="" xmlns:a14="http://schemas.microsoft.com/office/drawing/2010/main" w="9525">
+                  <a14:hiddenLine xmlns:a14="http://schemas.microsoft.com/office/drawing/2010/main" xmlns="" w="9525">
                     <a:solidFill>
                       <a:srgbClr val="000000"/>
                     </a:solidFill>
@@ -9788,7 +9789,7 @@
               </a:ln>
               <a:extLst>
                 <a:ext uri="{91240B29-F687-4f45-9708-019B960494DF}">
-                  <a14:hiddenLine xmlns="" xmlns:a14="http://schemas.microsoft.com/office/drawing/2010/main" w="9525">
+                  <a14:hiddenLine xmlns:a14="http://schemas.microsoft.com/office/drawing/2010/main" xmlns="" w="9525">
                     <a:solidFill>
                       <a:srgbClr val="000000"/>
                     </a:solidFill>
@@ -9878,7 +9879,7 @@
               </a:ln>
               <a:extLst>
                 <a:ext uri="{91240B29-F687-4f45-9708-019B960494DF}">
-                  <a14:hiddenLine xmlns="" xmlns:a14="http://schemas.microsoft.com/office/drawing/2010/main" w="9525">
+                  <a14:hiddenLine xmlns:a14="http://schemas.microsoft.com/office/drawing/2010/main" xmlns="" w="9525">
                     <a:solidFill>
                       <a:srgbClr val="000000"/>
                     </a:solidFill>
@@ -9940,7 +9941,7 @@
               </a:ln>
               <a:extLst>
                 <a:ext uri="{91240B29-F687-4f45-9708-019B960494DF}">
-                  <a14:hiddenLine xmlns="" xmlns:a14="http://schemas.microsoft.com/office/drawing/2010/main" w="9525">
+                  <a14:hiddenLine xmlns:a14="http://schemas.microsoft.com/office/drawing/2010/main" xmlns="" w="9525">
                     <a:solidFill>
                       <a:srgbClr val="000000"/>
                     </a:solidFill>
@@ -10030,7 +10031,7 @@
               </a:ln>
               <a:extLst>
                 <a:ext uri="{91240B29-F687-4f45-9708-019B960494DF}">
-                  <a14:hiddenLine xmlns="" xmlns:a14="http://schemas.microsoft.com/office/drawing/2010/main" w="9525">
+                  <a14:hiddenLine xmlns:a14="http://schemas.microsoft.com/office/drawing/2010/main" xmlns="" w="9525">
                     <a:solidFill>
                       <a:srgbClr val="000000"/>
                     </a:solidFill>
@@ -10092,7 +10093,7 @@
               </a:ln>
               <a:extLst>
                 <a:ext uri="{91240B29-F687-4f45-9708-019B960494DF}">
-                  <a14:hiddenLine xmlns="" xmlns:a14="http://schemas.microsoft.com/office/drawing/2010/main" w="9525">
+                  <a14:hiddenLine xmlns:a14="http://schemas.microsoft.com/office/drawing/2010/main" xmlns="" w="9525">
                     <a:solidFill>
                       <a:srgbClr val="000000"/>
                     </a:solidFill>
@@ -10154,7 +10155,7 @@
               </a:ln>
               <a:extLst>
                 <a:ext uri="{91240B29-F687-4f45-9708-019B960494DF}">
-                  <a14:hiddenLine xmlns="" xmlns:a14="http://schemas.microsoft.com/office/drawing/2010/main" w="9525">
+                  <a14:hiddenLine xmlns:a14="http://schemas.microsoft.com/office/drawing/2010/main" xmlns="" w="9525">
                     <a:solidFill>
                       <a:srgbClr val="000000"/>
                     </a:solidFill>
@@ -10244,7 +10245,7 @@
               </a:ln>
               <a:extLst>
                 <a:ext uri="{91240B29-F687-4f45-9708-019B960494DF}">
-                  <a14:hiddenLine xmlns="" xmlns:a14="http://schemas.microsoft.com/office/drawing/2010/main" w="9525">
+                  <a14:hiddenLine xmlns:a14="http://schemas.microsoft.com/office/drawing/2010/main" xmlns="" w="9525">
                     <a:solidFill>
                       <a:srgbClr val="000000"/>
                     </a:solidFill>
@@ -10334,7 +10335,7 @@
               </a:ln>
               <a:extLst>
                 <a:ext uri="{91240B29-F687-4f45-9708-019B960494DF}">
-                  <a14:hiddenLine xmlns="" xmlns:a14="http://schemas.microsoft.com/office/drawing/2010/main" w="9525">
+                  <a14:hiddenLine xmlns:a14="http://schemas.microsoft.com/office/drawing/2010/main" xmlns="" w="9525">
                     <a:solidFill>
                       <a:srgbClr val="000000"/>
                     </a:solidFill>
@@ -10396,7 +10397,7 @@
               </a:ln>
               <a:extLst>
                 <a:ext uri="{91240B29-F687-4f45-9708-019B960494DF}">
-                  <a14:hiddenLine xmlns="" xmlns:a14="http://schemas.microsoft.com/office/drawing/2010/main" w="9525">
+                  <a14:hiddenLine xmlns:a14="http://schemas.microsoft.com/office/drawing/2010/main" xmlns="" w="9525">
                     <a:solidFill>
                       <a:srgbClr val="000000"/>
                     </a:solidFill>
@@ -10506,7 +10507,7 @@
               </a:ln>
               <a:extLst>
                 <a:ext uri="{91240B29-F687-4f45-9708-019B960494DF}">
-                  <a14:hiddenLine xmlns="" xmlns:a14="http://schemas.microsoft.com/office/drawing/2010/main" w="9525">
+                  <a14:hiddenLine xmlns:a14="http://schemas.microsoft.com/office/drawing/2010/main" xmlns="" w="9525">
                     <a:solidFill>
                       <a:srgbClr val="000000"/>
                     </a:solidFill>
@@ -10590,7 +10591,7 @@
               </a:ln>
               <a:extLst>
                 <a:ext uri="{91240B29-F687-4f45-9708-019B960494DF}">
-                  <a14:hiddenLine xmlns="" xmlns:a14="http://schemas.microsoft.com/office/drawing/2010/main" w="9525">
+                  <a14:hiddenLine xmlns:a14="http://schemas.microsoft.com/office/drawing/2010/main" xmlns="" w="9525">
                     <a:solidFill>
                       <a:srgbClr val="000000"/>
                     </a:solidFill>
@@ -10652,7 +10653,7 @@
               </a:ln>
               <a:extLst>
                 <a:ext uri="{91240B29-F687-4f45-9708-019B960494DF}">
-                  <a14:hiddenLine xmlns="" xmlns:a14="http://schemas.microsoft.com/office/drawing/2010/main" w="9525">
+                  <a14:hiddenLine xmlns:a14="http://schemas.microsoft.com/office/drawing/2010/main" xmlns="" w="9525">
                     <a:solidFill>
                       <a:srgbClr val="000000"/>
                     </a:solidFill>
@@ -10714,7 +10715,7 @@
               </a:ln>
               <a:extLst>
                 <a:ext uri="{91240B29-F687-4f45-9708-019B960494DF}">
-                  <a14:hiddenLine xmlns="" xmlns:a14="http://schemas.microsoft.com/office/drawing/2010/main" w="9525">
+                  <a14:hiddenLine xmlns:a14="http://schemas.microsoft.com/office/drawing/2010/main" xmlns="" w="9525">
                     <a:solidFill>
                       <a:srgbClr val="000000"/>
                     </a:solidFill>
@@ -10804,7 +10805,7 @@
               </a:ln>
               <a:extLst>
                 <a:ext uri="{91240B29-F687-4f45-9708-019B960494DF}">
-                  <a14:hiddenLine xmlns="" xmlns:a14="http://schemas.microsoft.com/office/drawing/2010/main" w="9525">
+                  <a14:hiddenLine xmlns:a14="http://schemas.microsoft.com/office/drawing/2010/main" xmlns="" w="9525">
                     <a:solidFill>
                       <a:srgbClr val="000000"/>
                     </a:solidFill>
@@ -10838,7 +10839,7 @@
               </a:ln>
               <a:extLst>
                 <a:ext uri="{91240B29-F687-4f45-9708-019B960494DF}">
-                  <a14:hiddenLine xmlns="" xmlns:a14="http://schemas.microsoft.com/office/drawing/2010/main" w="9525">
+                  <a14:hiddenLine xmlns:a14="http://schemas.microsoft.com/office/drawing/2010/main" xmlns="" w="9525">
                     <a:solidFill>
                       <a:srgbClr val="000000"/>
                     </a:solidFill>
@@ -10903,7 +10904,7 @@
               </a:ln>
               <a:extLst>
                 <a:ext uri="{91240B29-F687-4f45-9708-019B960494DF}">
-                  <a14:hiddenLine xmlns="" xmlns:a14="http://schemas.microsoft.com/office/drawing/2010/main" w="9525">
+                  <a14:hiddenLine xmlns:a14="http://schemas.microsoft.com/office/drawing/2010/main" xmlns="" w="9525">
                     <a:solidFill>
                       <a:srgbClr val="000000"/>
                     </a:solidFill>
@@ -10993,7 +10994,7 @@
               </a:ln>
               <a:extLst>
                 <a:ext uri="{91240B29-F687-4f45-9708-019B960494DF}">
-                  <a14:hiddenLine xmlns="" xmlns:a14="http://schemas.microsoft.com/office/drawing/2010/main" w="9525">
+                  <a14:hiddenLine xmlns:a14="http://schemas.microsoft.com/office/drawing/2010/main" xmlns="" w="9525">
                     <a:solidFill>
                       <a:srgbClr val="000000"/>
                     </a:solidFill>
@@ -11055,7 +11056,7 @@
               </a:ln>
               <a:extLst>
                 <a:ext uri="{91240B29-F687-4f45-9708-019B960494DF}">
-                  <a14:hiddenLine xmlns="" xmlns:a14="http://schemas.microsoft.com/office/drawing/2010/main" w="9525">
+                  <a14:hiddenLine xmlns:a14="http://schemas.microsoft.com/office/drawing/2010/main" xmlns="" w="9525">
                     <a:solidFill>
                       <a:srgbClr val="000000"/>
                     </a:solidFill>
@@ -11145,7 +11146,7 @@
               </a:ln>
               <a:extLst>
                 <a:ext uri="{91240B29-F687-4f45-9708-019B960494DF}">
-                  <a14:hiddenLine xmlns="" xmlns:a14="http://schemas.microsoft.com/office/drawing/2010/main" w="9525">
+                  <a14:hiddenLine xmlns:a14="http://schemas.microsoft.com/office/drawing/2010/main" xmlns="" w="9525">
                     <a:solidFill>
                       <a:srgbClr val="000000"/>
                     </a:solidFill>
@@ -11210,7 +11211,7 @@
               </a:ln>
               <a:extLst>
                 <a:ext uri="{91240B29-F687-4f45-9708-019B960494DF}">
-                  <a14:hiddenLine xmlns="" xmlns:a14="http://schemas.microsoft.com/office/drawing/2010/main" w="9525">
+                  <a14:hiddenLine xmlns:a14="http://schemas.microsoft.com/office/drawing/2010/main" xmlns="" w="9525">
                     <a:solidFill>
                       <a:srgbClr val="000000"/>
                     </a:solidFill>
@@ -11272,7 +11273,7 @@
               </a:ln>
               <a:extLst>
                 <a:ext uri="{91240B29-F687-4f45-9708-019B960494DF}">
-                  <a14:hiddenLine xmlns="" xmlns:a14="http://schemas.microsoft.com/office/drawing/2010/main" w="9525">
+                  <a14:hiddenLine xmlns:a14="http://schemas.microsoft.com/office/drawing/2010/main" xmlns="" w="9525">
                     <a:solidFill>
                       <a:srgbClr val="000000"/>
                     </a:solidFill>
@@ -11362,7 +11363,7 @@
               </a:ln>
               <a:extLst>
                 <a:ext uri="{91240B29-F687-4f45-9708-019B960494DF}">
-                  <a14:hiddenLine xmlns="" xmlns:a14="http://schemas.microsoft.com/office/drawing/2010/main" w="9525">
+                  <a14:hiddenLine xmlns:a14="http://schemas.microsoft.com/office/drawing/2010/main" xmlns="" w="9525">
                     <a:solidFill>
                       <a:srgbClr val="000000"/>
                     </a:solidFill>
@@ -11452,7 +11453,7 @@
               </a:ln>
               <a:extLst>
                 <a:ext uri="{91240B29-F687-4f45-9708-019B960494DF}">
-                  <a14:hiddenLine xmlns="" xmlns:a14="http://schemas.microsoft.com/office/drawing/2010/main" w="9525">
+                  <a14:hiddenLine xmlns:a14="http://schemas.microsoft.com/office/drawing/2010/main" xmlns="" w="9525">
                     <a:solidFill>
                       <a:srgbClr val="000000"/>
                     </a:solidFill>
@@ -11517,7 +11518,7 @@
               </a:ln>
               <a:extLst>
                 <a:ext uri="{91240B29-F687-4f45-9708-019B960494DF}">
-                  <a14:hiddenLine xmlns="" xmlns:a14="http://schemas.microsoft.com/office/drawing/2010/main" w="9525">
+                  <a14:hiddenLine xmlns:a14="http://schemas.microsoft.com/office/drawing/2010/main" xmlns="" w="9525">
                     <a:solidFill>
                       <a:srgbClr val="000000"/>
                     </a:solidFill>
@@ -11637,7 +11638,7 @@
               </a:ln>
               <a:extLst>
                 <a:ext uri="{91240B29-F687-4f45-9708-019B960494DF}">
-                  <a14:hiddenLine xmlns="" xmlns:a14="http://schemas.microsoft.com/office/drawing/2010/main" w="9525">
+                  <a14:hiddenLine xmlns:a14="http://schemas.microsoft.com/office/drawing/2010/main" xmlns="" w="9525">
                     <a:solidFill>
                       <a:srgbClr val="000000"/>
                     </a:solidFill>
@@ -11718,7 +11719,7 @@
               </a:ln>
               <a:extLst>
                 <a:ext uri="{91240B29-F687-4f45-9708-019B960494DF}">
-                  <a14:hiddenLine xmlns="" xmlns:a14="http://schemas.microsoft.com/office/drawing/2010/main" w="9525">
+                  <a14:hiddenLine xmlns:a14="http://schemas.microsoft.com/office/drawing/2010/main" xmlns="" w="9525">
                     <a:solidFill>
                       <a:srgbClr val="000000"/>
                     </a:solidFill>
@@ -11833,7 +11834,7 @@
               </a:ln>
               <a:extLst>
                 <a:ext uri="{91240B29-F687-4f45-9708-019B960494DF}">
-                  <a14:hiddenLine xmlns="" xmlns:a14="http://schemas.microsoft.com/office/drawing/2010/main" w="9525">
+                  <a14:hiddenLine xmlns:a14="http://schemas.microsoft.com/office/drawing/2010/main" xmlns="" w="9525">
                     <a:solidFill>
                       <a:srgbClr val="000000"/>
                     </a:solidFill>
@@ -11923,7 +11924,7 @@
               </a:ln>
               <a:extLst>
                 <a:ext uri="{91240B29-F687-4f45-9708-019B960494DF}">
-                  <a14:hiddenLine xmlns="" xmlns:a14="http://schemas.microsoft.com/office/drawing/2010/main" w="9525">
+                  <a14:hiddenLine xmlns:a14="http://schemas.microsoft.com/office/drawing/2010/main" xmlns="" w="9525">
                     <a:solidFill>
                       <a:srgbClr val="000000"/>
                     </a:solidFill>
@@ -11988,7 +11989,7 @@
               </a:ln>
               <a:extLst>
                 <a:ext uri="{91240B29-F687-4f45-9708-019B960494DF}">
-                  <a14:hiddenLine xmlns="" xmlns:a14="http://schemas.microsoft.com/office/drawing/2010/main" w="9525">
+                  <a14:hiddenLine xmlns:a14="http://schemas.microsoft.com/office/drawing/2010/main" xmlns="" w="9525">
                     <a:solidFill>
                       <a:srgbClr val="000000"/>
                     </a:solidFill>
@@ -12078,7 +12079,7 @@
               </a:ln>
               <a:extLst>
                 <a:ext uri="{91240B29-F687-4f45-9708-019B960494DF}">
-                  <a14:hiddenLine xmlns="" xmlns:a14="http://schemas.microsoft.com/office/drawing/2010/main" w="9525">
+                  <a14:hiddenLine xmlns:a14="http://schemas.microsoft.com/office/drawing/2010/main" xmlns="" w="9525">
                     <a:solidFill>
                       <a:srgbClr val="000000"/>
                     </a:solidFill>
@@ -12146,7 +12147,7 @@
               </a:ln>
               <a:extLst>
                 <a:ext uri="{91240B29-F687-4f45-9708-019B960494DF}">
-                  <a14:hiddenLine xmlns="" xmlns:a14="http://schemas.microsoft.com/office/drawing/2010/main" w="9525">
+                  <a14:hiddenLine xmlns:a14="http://schemas.microsoft.com/office/drawing/2010/main" xmlns="" w="9525">
                     <a:solidFill>
                       <a:srgbClr val="000000"/>
                     </a:solidFill>
@@ -12236,7 +12237,7 @@
               </a:ln>
               <a:extLst>
                 <a:ext uri="{91240B29-F687-4f45-9708-019B960494DF}">
-                  <a14:hiddenLine xmlns="" xmlns:a14="http://schemas.microsoft.com/office/drawing/2010/main" w="9525">
+                  <a14:hiddenLine xmlns:a14="http://schemas.microsoft.com/office/drawing/2010/main" xmlns="" w="9525">
                     <a:solidFill>
                       <a:srgbClr val="000000"/>
                     </a:solidFill>
@@ -12304,7 +12305,7 @@
               </a:ln>
               <a:extLst>
                 <a:ext uri="{91240B29-F687-4f45-9708-019B960494DF}">
-                  <a14:hiddenLine xmlns="" xmlns:a14="http://schemas.microsoft.com/office/drawing/2010/main" w="9525">
+                  <a14:hiddenLine xmlns:a14="http://schemas.microsoft.com/office/drawing/2010/main" xmlns="" w="9525">
                     <a:solidFill>
                       <a:srgbClr val="000000"/>
                     </a:solidFill>
@@ -12394,7 +12395,7 @@
               </a:ln>
               <a:extLst>
                 <a:ext uri="{91240B29-F687-4f45-9708-019B960494DF}">
-                  <a14:hiddenLine xmlns="" xmlns:a14="http://schemas.microsoft.com/office/drawing/2010/main" w="9525">
+                  <a14:hiddenLine xmlns:a14="http://schemas.microsoft.com/office/drawing/2010/main" xmlns="" w="9525">
                     <a:solidFill>
                       <a:srgbClr val="000000"/>
                     </a:solidFill>
@@ -12428,7 +12429,7 @@
               </a:ln>
               <a:extLst>
                 <a:ext uri="{91240B29-F687-4f45-9708-019B960494DF}">
-                  <a14:hiddenLine xmlns="" xmlns:a14="http://schemas.microsoft.com/office/drawing/2010/main" w="9525">
+                  <a14:hiddenLine xmlns:a14="http://schemas.microsoft.com/office/drawing/2010/main" xmlns="" w="9525">
                     <a:solidFill>
                       <a:srgbClr val="000000"/>
                     </a:solidFill>
@@ -13209,6 +13210,107 @@
     <p:extLst>
       <p:ext uri="{BB962C8B-B14F-4D97-AF65-F5344CB8AC3E}">
         <p14:creationId xmlns:p14="http://schemas.microsoft.com/office/powerpoint/2010/main" val="1726545981"/>
+      </p:ext>
+    </p:extLst>
+  </p:cSld>
+  <p:clrMapOvr>
+    <a:masterClrMapping/>
+  </p:clrMapOvr>
+</p:sld>
+</file>
+
+<file path=ppt/slides/slide11.xml><?xml version="1.0" encoding="utf-8"?>
+<p:sld xmlns:a="http://schemas.openxmlformats.org/drawingml/2006/main" xmlns:r="http://schemas.openxmlformats.org/officeDocument/2006/relationships" xmlns:p="http://schemas.openxmlformats.org/presentationml/2006/main">
+  <p:cSld>
+    <p:spTree>
+      <p:nvGrpSpPr>
+        <p:cNvPr id="1" name=""/>
+        <p:cNvGrpSpPr/>
+        <p:nvPr/>
+      </p:nvGrpSpPr>
+      <p:grpSpPr>
+        <a:xfrm>
+          <a:off x="0" y="0"/>
+          <a:ext cx="0" cy="0"/>
+          <a:chOff x="0" y="0"/>
+          <a:chExt cx="0" cy="0"/>
+        </a:xfrm>
+      </p:grpSpPr>
+      <p:sp>
+        <p:nvSpPr>
+          <p:cNvPr id="2" name="Tittel 1">
+            <a:extLst>
+              <a:ext uri="{FF2B5EF4-FFF2-40B4-BE49-F238E27FC236}">
+                <a16:creationId xmlns:a16="http://schemas.microsoft.com/office/drawing/2014/main" id="{8888C1AE-1B81-412B-E4F5-8817EFA0FFF5}"/>
+              </a:ext>
+            </a:extLst>
+          </p:cNvPr>
+          <p:cNvSpPr>
+            <a:spLocks noGrp="1"/>
+          </p:cNvSpPr>
+          <p:nvPr>
+            <p:ph type="title"/>
+          </p:nvPr>
+        </p:nvSpPr>
+        <p:spPr/>
+        <p:txBody>
+          <a:bodyPr/>
+          <a:lstStyle/>
+          <a:p>
+            <a:r>
+              <a:rPr lang="en-US"/>
+              <a:t>Important links</a:t>
+            </a:r>
+          </a:p>
+        </p:txBody>
+      </p:sp>
+      <p:sp>
+        <p:nvSpPr>
+          <p:cNvPr id="3" name="Plassholder for innhold 2">
+            <a:extLst>
+              <a:ext uri="{FF2B5EF4-FFF2-40B4-BE49-F238E27FC236}">
+                <a16:creationId xmlns:a16="http://schemas.microsoft.com/office/drawing/2014/main" id="{B5DAA24D-9409-4902-7C10-B9FEE1216F4A}"/>
+              </a:ext>
+            </a:extLst>
+          </p:cNvPr>
+          <p:cNvSpPr>
+            <a:spLocks noGrp="1"/>
+          </p:cNvSpPr>
+          <p:nvPr>
+            <p:ph idx="1"/>
+          </p:nvPr>
+        </p:nvSpPr>
+        <p:spPr/>
+        <p:txBody>
+          <a:bodyPr/>
+          <a:lstStyle/>
+          <a:p>
+            <a:r>
+              <a:rPr lang="en-US" dirty="0">
+                <a:hlinkClick r:id="rId2"/>
+              </a:rPr>
+              <a:t>https://www.youtube.com/channel/UCq8cULjyKLFifAogkfsXdOg</a:t>
+            </a:r>
+            <a:endParaRPr lang="en-US" dirty="0"/>
+          </a:p>
+          <a:p>
+            <a:r>
+              <a:rPr lang="en-US" dirty="0">
+                <a:hlinkClick r:id="rId3"/>
+              </a:rPr>
+              <a:t>https://github.com/PetProjects1/Kursus-i-Arduino/tree/main</a:t>
+            </a:r>
+            <a:endParaRPr lang="en-US" dirty="0"/>
+          </a:p>
+          <a:p>
+            <a:endParaRPr lang="en-US" dirty="0"/>
+          </a:p>
+        </p:txBody>
+      </p:sp>
+    </p:spTree>
+    <p:extLst>
+      <p:ext uri="{BB962C8B-B14F-4D97-AF65-F5344CB8AC3E}">
+        <p14:creationId xmlns:p14="http://schemas.microsoft.com/office/powerpoint/2010/main" val="1731810709"/>
       </p:ext>
     </p:extLst>
   </p:cSld>
@@ -15528,12 +15630,11 @@
 </file>
 
 <file path=customXml/item1.xml><?xml version="1.0" encoding="utf-8"?>
-<?mso-contentType ?>
-<FormTemplates xmlns="http://schemas.microsoft.com/sharepoint/v3/contenttype/forms">
-  <Display>DocumentLibraryForm</Display>
-  <Edit>DocumentLibraryForm</Edit>
-  <New>DocumentLibraryForm</New>
-</FormTemplates>
+<p:properties xmlns:p="http://schemas.microsoft.com/office/2006/metadata/properties" xmlns:xsi="http://www.w3.org/2001/XMLSchema-instance" xmlns:pc="http://schemas.microsoft.com/office/infopath/2007/PartnerControls">
+  <documentManagement>
+    <MediaServiceKeyPoints xmlns="71af3243-3dd4-4a8d-8c0d-dd76da1f02a5" xsi:nil="true"/>
+  </documentManagement>
+</p:properties>
 </file>
 
 <file path=customXml/item2.xml><?xml version="1.0" encoding="utf-8"?>
@@ -15748,17 +15849,20 @@
 </file>
 
 <file path=customXml/item3.xml><?xml version="1.0" encoding="utf-8"?>
-<p:properties xmlns:p="http://schemas.microsoft.com/office/2006/metadata/properties" xmlns:xsi="http://www.w3.org/2001/XMLSchema-instance" xmlns:pc="http://schemas.microsoft.com/office/infopath/2007/PartnerControls">
-  <documentManagement>
-    <MediaServiceKeyPoints xmlns="71af3243-3dd4-4a8d-8c0d-dd76da1f02a5" xsi:nil="true"/>
-  </documentManagement>
-</p:properties>
+<?mso-contentType ?>
+<FormTemplates xmlns="http://schemas.microsoft.com/sharepoint/v3/contenttype/forms">
+  <Display>DocumentLibraryForm</Display>
+  <Edit>DocumentLibraryForm</Edit>
+  <New>DocumentLibraryForm</New>
+</FormTemplates>
 </file>
 
 <file path=customXml/itemProps1.xml><?xml version="1.0" encoding="utf-8"?>
-<ds:datastoreItem xmlns:ds="http://schemas.openxmlformats.org/officeDocument/2006/customXml" ds:itemID="{B579702B-25C7-40D7-9E29-7686B11A9660}">
+<ds:datastoreItem xmlns:ds="http://schemas.openxmlformats.org/officeDocument/2006/customXml" ds:itemID="{E7866CFD-F94E-4AE5-ACEA-86FEC0F48A10}">
   <ds:schemaRefs>
-    <ds:schemaRef ds:uri="http://schemas.microsoft.com/sharepoint/v3/contenttype/forms"/>
+    <ds:schemaRef ds:uri="http://schemas.microsoft.com/office/2006/metadata/properties"/>
+    <ds:schemaRef ds:uri="http://schemas.microsoft.com/office/infopath/2007/PartnerControls"/>
+    <ds:schemaRef ds:uri="71af3243-3dd4-4a8d-8c0d-dd76da1f02a5"/>
   </ds:schemaRefs>
 </ds:datastoreItem>
 </file>
@@ -15783,11 +15887,9 @@
 </file>
 
 <file path=customXml/itemProps3.xml><?xml version="1.0" encoding="utf-8"?>
-<ds:datastoreItem xmlns:ds="http://schemas.openxmlformats.org/officeDocument/2006/customXml" ds:itemID="{E7866CFD-F94E-4AE5-ACEA-86FEC0F48A10}">
+<ds:datastoreItem xmlns:ds="http://schemas.openxmlformats.org/officeDocument/2006/customXml" ds:itemID="{B579702B-25C7-40D7-9E29-7686B11A9660}">
   <ds:schemaRefs>
-    <ds:schemaRef ds:uri="http://schemas.microsoft.com/office/2006/metadata/properties"/>
-    <ds:schemaRef ds:uri="http://schemas.microsoft.com/office/infopath/2007/PartnerControls"/>
-    <ds:schemaRef ds:uri="71af3243-3dd4-4a8d-8c0d-dd76da1f02a5"/>
+    <ds:schemaRef ds:uri="http://schemas.microsoft.com/sharepoint/v3/contenttype/forms"/>
   </ds:schemaRefs>
 </ds:datastoreItem>
 </file>